--- a/Documentation/18.QUICK FEED_Final Presentation.pptx
+++ b/Documentation/18.QUICK FEED_Final Presentation.pptx
@@ -21,23 +21,24 @@
     <p:sldId id="266" r:id="rId16"/>
     <p:sldId id="267" r:id="rId17"/>
     <p:sldId id="268" r:id="rId18"/>
+    <p:sldId id="269" r:id="rId19"/>
   </p:sldIdLst>
   <p:sldSz cy="5143500" cx="9144000"/>
   <p:notesSz cx="6858000" cy="9144000"/>
   <p:embeddedFontLst>
     <p:embeddedFont>
       <p:font typeface="Raleway"/>
-      <p:regular r:id="rId19"/>
-      <p:bold r:id="rId20"/>
-      <p:italic r:id="rId21"/>
-      <p:boldItalic r:id="rId22"/>
+      <p:regular r:id="rId20"/>
+      <p:bold r:id="rId21"/>
+      <p:italic r:id="rId22"/>
+      <p:boldItalic r:id="rId23"/>
     </p:embeddedFont>
     <p:embeddedFont>
       <p:font typeface="Lato"/>
-      <p:regular r:id="rId23"/>
-      <p:bold r:id="rId24"/>
-      <p:italic r:id="rId25"/>
-      <p:boldItalic r:id="rId26"/>
+      <p:regular r:id="rId24"/>
+      <p:bold r:id="rId25"/>
+      <p:italic r:id="rId26"/>
+      <p:boldItalic r:id="rId27"/>
     </p:embeddedFont>
   </p:embeddedFontLst>
   <p:defaultTextStyle>
@@ -1016,7 +1017,7 @@
   <p:cSld>
     <p:spTree>
       <p:nvGrpSpPr>
-        <p:cNvPr id="159" name="Shape 159"/>
+        <p:cNvPr id="160" name="Shape 160"/>
         <p:cNvGrpSpPr/>
         <p:nvPr/>
       </p:nvGrpSpPr>
@@ -1030,7 +1031,7 @@
       </p:grpSpPr>
       <p:sp>
         <p:nvSpPr>
-          <p:cNvPr id="160" name="Google Shape;160;g128d2a5588a_0_143:notes"/>
+          <p:cNvPr id="161" name="Google Shape;161;g1291bd68140_0_2:notes"/>
           <p:cNvSpPr/>
           <p:nvPr>
             <p:ph idx="2" type="sldImg"/>
@@ -1065,7 +1066,7 @@
       </p:sp>
       <p:sp>
         <p:nvSpPr>
-          <p:cNvPr id="161" name="Google Shape;161;g128d2a5588a_0_143:notes"/>
+          <p:cNvPr id="162" name="Google Shape;162;g1291bd68140_0_2:notes"/>
           <p:cNvSpPr txBox="1"/>
           <p:nvPr>
             <p:ph idx="1" type="body"/>
@@ -1115,7 +1116,7 @@
   <p:cSld>
     <p:spTree>
       <p:nvGrpSpPr>
-        <p:cNvPr id="165" name="Shape 165"/>
+        <p:cNvPr id="166" name="Shape 166"/>
         <p:cNvGrpSpPr/>
         <p:nvPr/>
       </p:nvGrpSpPr>
@@ -1129,7 +1130,7 @@
       </p:grpSpPr>
       <p:sp>
         <p:nvSpPr>
-          <p:cNvPr id="166" name="Google Shape;166;g128d2a5588a_0_149:notes"/>
+          <p:cNvPr id="167" name="Google Shape;167;g128d2a5588a_0_143:notes"/>
           <p:cNvSpPr/>
           <p:nvPr>
             <p:ph idx="2" type="sldImg"/>
@@ -1164,7 +1165,106 @@
       </p:sp>
       <p:sp>
         <p:nvSpPr>
-          <p:cNvPr id="167" name="Google Shape;167;g128d2a5588a_0_149:notes"/>
+          <p:cNvPr id="168" name="Google Shape;168;g128d2a5588a_0_143:notes"/>
+          <p:cNvSpPr txBox="1"/>
+          <p:nvPr>
+            <p:ph idx="1" type="body"/>
+          </p:nvPr>
+        </p:nvSpPr>
+        <p:spPr>
+          <a:xfrm>
+            <a:off x="685800" y="4343400"/>
+            <a:ext cx="5486400" cy="4114800"/>
+          </a:xfrm>
+          <a:prstGeom prst="rect">
+            <a:avLst/>
+          </a:prstGeom>
+        </p:spPr>
+        <p:txBody>
+          <a:bodyPr anchorCtr="0" anchor="t" bIns="91425" lIns="91425" spcFirstLastPara="1" rIns="91425" wrap="square" tIns="91425">
+            <a:noAutofit/>
+          </a:bodyPr>
+          <a:lstStyle/>
+          <a:p>
+            <a:pPr indent="0" lvl="0" marL="0" rtl="0" algn="l">
+              <a:spcBef>
+                <a:spcPts val="0"/>
+              </a:spcBef>
+              <a:spcAft>
+                <a:spcPts val="0"/>
+              </a:spcAft>
+              <a:buNone/>
+            </a:pPr>
+            <a:r>
+              <a:t/>
+            </a:r>
+            <a:endParaRPr/>
+          </a:p>
+        </p:txBody>
+      </p:sp>
+    </p:spTree>
+  </p:cSld>
+  <p:clrMapOvr>
+    <a:masterClrMapping/>
+  </p:clrMapOvr>
+</p:notes>
+</file>
+
+<file path=ppt/notesSlides/notesSlide14.xml><?xml version="1.0" encoding="utf-8"?>
+<p:notes xmlns:a="http://schemas.openxmlformats.org/drawingml/2006/main" xmlns:r="http://schemas.openxmlformats.org/officeDocument/2006/relationships" xmlns:mc="http://schemas.openxmlformats.org/markup-compatibility/2006" xmlns:mv="urn:schemas-microsoft-com:mac:vml" xmlns:p="http://schemas.openxmlformats.org/presentationml/2006/main" xmlns:c="http://schemas.openxmlformats.org/drawingml/2006/chart" xmlns:dgm="http://schemas.openxmlformats.org/drawingml/2006/diagram" xmlns:o="urn:schemas-microsoft-com:office:office" xmlns:v="urn:schemas-microsoft-com:vml" xmlns:pvml="urn:schemas-microsoft-com:office:powerpoint" xmlns:com="http://schemas.openxmlformats.org/drawingml/2006/compatibility" xmlns:p14="http://schemas.microsoft.com/office/powerpoint/2010/main" xmlns:p15="http://schemas.microsoft.com/office/powerpoint/2012/main" xmlns:ahyp="http://schemas.microsoft.com/office/drawing/2018/hyperlinkcolor" showMasterPhAnim="0" showMasterSp="0">
+  <p:cSld>
+    <p:spTree>
+      <p:nvGrpSpPr>
+        <p:cNvPr id="172" name="Shape 172"/>
+        <p:cNvGrpSpPr/>
+        <p:nvPr/>
+      </p:nvGrpSpPr>
+      <p:grpSpPr>
+        <a:xfrm>
+          <a:off x="0" y="0"/>
+          <a:ext cx="0" cy="0"/>
+          <a:chOff x="0" y="0"/>
+          <a:chExt cx="0" cy="0"/>
+        </a:xfrm>
+      </p:grpSpPr>
+      <p:sp>
+        <p:nvSpPr>
+          <p:cNvPr id="173" name="Google Shape;173;g128d2a5588a_0_149:notes"/>
+          <p:cNvSpPr/>
+          <p:nvPr>
+            <p:ph idx="2" type="sldImg"/>
+          </p:nvPr>
+        </p:nvSpPr>
+        <p:spPr>
+          <a:xfrm>
+            <a:off x="381300" y="685800"/>
+            <a:ext cx="6096000" cy="3429000"/>
+          </a:xfrm>
+          <a:custGeom>
+            <a:rect b="b" l="l" r="r" t="t"/>
+            <a:pathLst>
+              <a:path extrusionOk="0" h="120000" w="120000">
+                <a:moveTo>
+                  <a:pt x="0" y="0"/>
+                </a:moveTo>
+                <a:lnTo>
+                  <a:pt x="120000" y="0"/>
+                </a:lnTo>
+                <a:lnTo>
+                  <a:pt x="120000" y="120000"/>
+                </a:lnTo>
+                <a:lnTo>
+                  <a:pt x="0" y="120000"/>
+                </a:lnTo>
+                <a:close/>
+              </a:path>
+            </a:pathLst>
+          </a:custGeom>
+        </p:spPr>
+      </p:sp>
+      <p:sp>
+        <p:nvSpPr>
+          <p:cNvPr id="174" name="Google Shape;174;g128d2a5588a_0_149:notes"/>
           <p:cNvSpPr txBox="1"/>
           <p:nvPr>
             <p:ph idx="1" type="body"/>
@@ -8636,12 +8736,39 @@
             </a:pPr>
             <a:r>
               <a:rPr lang="en"/>
-              <a:t>Source code + Github Repository Slides - Akshay</a:t>
+              <a:t>Source code - Akshay</a:t>
             </a:r>
             <a:endParaRPr/>
           </a:p>
         </p:txBody>
       </p:sp>
+      <p:pic>
+        <p:nvPicPr>
+          <p:cNvPr id="159" name="Google Shape;159;p23"/>
+          <p:cNvPicPr preferRelativeResize="0"/>
+          <p:nvPr/>
+        </p:nvPicPr>
+        <p:blipFill rotWithShape="1">
+          <a:blip r:embed="rId3">
+            <a:alphaModFix/>
+          </a:blip>
+          <a:srcRect b="19659" l="0" r="0" t="0"/>
+          <a:stretch/>
+        </p:blipFill>
+        <p:spPr>
+          <a:xfrm>
+            <a:off x="291425" y="1141600"/>
+            <a:ext cx="8747550" cy="3833049"/>
+          </a:xfrm>
+          <a:prstGeom prst="rect">
+            <a:avLst/>
+          </a:prstGeom>
+          <a:noFill/>
+          <a:ln>
+            <a:noFill/>
+          </a:ln>
+        </p:spPr>
+      </p:pic>
     </p:spTree>
   </p:cSld>
   <p:clrMapOvr>
@@ -8655,7 +8782,7 @@
   <p:cSld>
     <p:spTree>
       <p:nvGrpSpPr>
-        <p:cNvPr id="162" name="Shape 162"/>
+        <p:cNvPr id="163" name="Shape 163"/>
         <p:cNvGrpSpPr/>
         <p:nvPr/>
       </p:nvGrpSpPr>
@@ -8669,7 +8796,7 @@
       </p:grpSpPr>
       <p:sp>
         <p:nvSpPr>
-          <p:cNvPr id="163" name="Google Shape;163;p24"/>
+          <p:cNvPr id="164" name="Google Shape;164;p24"/>
           <p:cNvSpPr txBox="1"/>
           <p:nvPr>
             <p:ph type="title"/>
@@ -8677,7 +8804,7 @@
         </p:nvSpPr>
         <p:spPr>
           <a:xfrm>
-            <a:off x="700850" y="540550"/>
+            <a:off x="729450" y="527350"/>
             <a:ext cx="7688700" cy="535200"/>
           </a:xfrm>
           <a:prstGeom prst="rect">
@@ -8701,7 +8828,7 @@
             </a:pPr>
             <a:r>
               <a:rPr lang="en"/>
-              <a:t>Test Plan - Lakshmi Bhavani</a:t>
+              <a:t>Github - Akshay</a:t>
             </a:r>
             <a:endParaRPr/>
           </a:p>
@@ -8709,7 +8836,7 @@
       </p:sp>
       <p:pic>
         <p:nvPicPr>
-          <p:cNvPr id="164" name="Google Shape;164;p24"/>
+          <p:cNvPr id="165" name="Google Shape;165;p24"/>
           <p:cNvPicPr preferRelativeResize="0"/>
           <p:nvPr/>
         </p:nvPicPr>
@@ -8723,8 +8850,8 @@
         </p:blipFill>
         <p:spPr>
           <a:xfrm>
-            <a:off x="2164975" y="1007100"/>
-            <a:ext cx="3990200" cy="4096351"/>
+            <a:off x="838975" y="1085825"/>
+            <a:ext cx="6927624" cy="3776149"/>
           </a:xfrm>
           <a:prstGeom prst="rect">
             <a:avLst/>
@@ -8748,7 +8875,7 @@
   <p:cSld>
     <p:spTree>
       <p:nvGrpSpPr>
-        <p:cNvPr id="168" name="Shape 168"/>
+        <p:cNvPr id="169" name="Shape 169"/>
         <p:cNvGrpSpPr/>
         <p:nvPr/>
       </p:nvGrpSpPr>
@@ -8762,7 +8889,7 @@
       </p:grpSpPr>
       <p:sp>
         <p:nvSpPr>
-          <p:cNvPr id="169" name="Google Shape;169;p25"/>
+          <p:cNvPr id="170" name="Google Shape;170;p25"/>
           <p:cNvSpPr txBox="1"/>
           <p:nvPr>
             <p:ph type="title"/>
@@ -8770,7 +8897,7 @@
         </p:nvSpPr>
         <p:spPr>
           <a:xfrm>
-            <a:off x="666575" y="592850"/>
+            <a:off x="700850" y="540550"/>
             <a:ext cx="7688700" cy="535200"/>
           </a:xfrm>
           <a:prstGeom prst="rect">
@@ -8794,12 +8921,133 @@
             </a:pPr>
             <a:r>
               <a:rPr lang="en"/>
+              <a:t>Test Plan - Lakshmi Bhavani</a:t>
+            </a:r>
+            <a:endParaRPr/>
+          </a:p>
+        </p:txBody>
+      </p:sp>
+      <p:pic>
+        <p:nvPicPr>
+          <p:cNvPr id="171" name="Google Shape;171;p25"/>
+          <p:cNvPicPr preferRelativeResize="0"/>
+          <p:nvPr/>
+        </p:nvPicPr>
+        <p:blipFill>
+          <a:blip r:embed="rId3">
+            <a:alphaModFix/>
+          </a:blip>
+          <a:stretch>
+            <a:fillRect/>
+          </a:stretch>
+        </p:blipFill>
+        <p:spPr>
+          <a:xfrm>
+            <a:off x="2164975" y="1007100"/>
+            <a:ext cx="3990200" cy="4096351"/>
+          </a:xfrm>
+          <a:prstGeom prst="rect">
+            <a:avLst/>
+          </a:prstGeom>
+          <a:noFill/>
+          <a:ln>
+            <a:noFill/>
+          </a:ln>
+        </p:spPr>
+      </p:pic>
+    </p:spTree>
+  </p:cSld>
+  <p:clrMapOvr>
+    <a:masterClrMapping/>
+  </p:clrMapOvr>
+</p:sld>
+</file>
+
+<file path=ppt/slides/slide14.xml><?xml version="1.0" encoding="utf-8"?>
+<p:sld xmlns:a="http://schemas.openxmlformats.org/drawingml/2006/main" xmlns:r="http://schemas.openxmlformats.org/officeDocument/2006/relationships" xmlns:mc="http://schemas.openxmlformats.org/markup-compatibility/2006" xmlns:mv="urn:schemas-microsoft-com:mac:vml" xmlns:p="http://schemas.openxmlformats.org/presentationml/2006/main" xmlns:c="http://schemas.openxmlformats.org/drawingml/2006/chart" xmlns:dgm="http://schemas.openxmlformats.org/drawingml/2006/diagram" xmlns:o="urn:schemas-microsoft-com:office:office" xmlns:v="urn:schemas-microsoft-com:vml" xmlns:pvml="urn:schemas-microsoft-com:office:powerpoint" xmlns:com="http://schemas.openxmlformats.org/drawingml/2006/compatibility" xmlns:p14="http://schemas.microsoft.com/office/powerpoint/2010/main" xmlns:p15="http://schemas.microsoft.com/office/powerpoint/2012/main" xmlns:ahyp="http://schemas.microsoft.com/office/drawing/2018/hyperlinkcolor">
+  <p:cSld>
+    <p:spTree>
+      <p:nvGrpSpPr>
+        <p:cNvPr id="175" name="Shape 175"/>
+        <p:cNvGrpSpPr/>
+        <p:nvPr/>
+      </p:nvGrpSpPr>
+      <p:grpSpPr>
+        <a:xfrm>
+          <a:off x="0" y="0"/>
+          <a:ext cx="0" cy="0"/>
+          <a:chOff x="0" y="0"/>
+          <a:chExt cx="0" cy="0"/>
+        </a:xfrm>
+      </p:grpSpPr>
+      <p:sp>
+        <p:nvSpPr>
+          <p:cNvPr id="176" name="Google Shape;176;p26"/>
+          <p:cNvSpPr txBox="1"/>
+          <p:nvPr>
+            <p:ph type="title"/>
+          </p:nvPr>
+        </p:nvSpPr>
+        <p:spPr>
+          <a:xfrm>
+            <a:off x="666575" y="592850"/>
+            <a:ext cx="7688700" cy="535200"/>
+          </a:xfrm>
+          <a:prstGeom prst="rect">
+            <a:avLst/>
+          </a:prstGeom>
+        </p:spPr>
+        <p:txBody>
+          <a:bodyPr anchorCtr="0" anchor="t" bIns="91425" lIns="91425" spcFirstLastPara="1" rIns="91425" wrap="square" tIns="91425">
+            <a:normAutofit fontScale="90000"/>
+          </a:bodyPr>
+          <a:lstStyle/>
+          <a:p>
+            <a:pPr indent="0" lvl="0" marL="0" rtl="0" algn="l">
+              <a:spcBef>
+                <a:spcPts val="0"/>
+              </a:spcBef>
+              <a:spcAft>
+                <a:spcPts val="0"/>
+              </a:spcAft>
+              <a:buNone/>
+            </a:pPr>
+            <a:r>
+              <a:rPr lang="en"/>
               <a:t>Application Demo - Nitesh</a:t>
             </a:r>
             <a:endParaRPr/>
           </a:p>
         </p:txBody>
       </p:sp>
+      <p:pic>
+        <p:nvPicPr>
+          <p:cNvPr id="177" name="Google Shape;177;p26"/>
+          <p:cNvPicPr preferRelativeResize="0"/>
+          <p:nvPr/>
+        </p:nvPicPr>
+        <p:blipFill>
+          <a:blip r:embed="rId3">
+            <a:alphaModFix/>
+          </a:blip>
+          <a:stretch>
+            <a:fillRect/>
+          </a:stretch>
+        </p:blipFill>
+        <p:spPr>
+          <a:xfrm>
+            <a:off x="829625" y="1128050"/>
+            <a:ext cx="7553076" cy="3710651"/>
+          </a:xfrm>
+          <a:prstGeom prst="rect">
+            <a:avLst/>
+          </a:prstGeom>
+          <a:noFill/>
+          <a:ln>
+            <a:noFill/>
+          </a:ln>
+        </p:spPr>
+      </p:pic>
     </p:spTree>
   </p:cSld>
   <p:clrMapOvr>
@@ -9123,7 +9371,7 @@
             </a:pPr>
             <a:r>
               <a:rPr lang="en"/>
-              <a:t>Architecture Diagrams - Sagrika</a:t>
+              <a:t>Architecture Diagrams - Sagarika</a:t>
             </a:r>
             <a:endParaRPr/>
           </a:p>
